--- a/content/3-cc310/10-sets/03-using-sets-slides.pptx
+++ b/content/3-cc310/10-sets/03-using-sets-slides.pptx
@@ -8621,7 +8621,7 @@
         <p:spPr>
           <a:xfrm>
             <a:off x="914400" y="2939143"/>
-            <a:ext cx="4980851" cy="406650"/>
+            <a:ext cx="4839786" cy="406650"/>
           </a:xfrm>
           <a:prstGeom prst="rect">
             <a:avLst/>
@@ -8652,6 +8652,19 @@
               </a:tabLst>
             </a:pPr>
             <a:r>
+              <a:rPr lang="en-US" sz="2000" dirty="0" err="1">
+                <a:solidFill>
+                  <a:schemeClr val="bg2">
+                    <a:lumMod val="10000"/>
+                  </a:schemeClr>
+                </a:solidFill>
+                <a:latin typeface="Consolas" panose="020B0609020204030204" pitchFamily="49" charset="0"/>
+                <a:ea typeface="Calibri" panose="020F0502020204030204" pitchFamily="34" charset="0"/>
+                <a:cs typeface="Times New Roman" panose="02020603050405020304" pitchFamily="18" charset="0"/>
+              </a:rPr>
+              <a:t>workers.union</a:t>
+            </a:r>
+            <a:r>
               <a:rPr lang="en-US" sz="2000" dirty="0">
                 <a:solidFill>
                   <a:schemeClr val="bg2">
@@ -8662,7 +8675,7 @@
                 <a:ea typeface="Calibri" panose="020F0502020204030204" pitchFamily="34" charset="0"/>
                 <a:cs typeface="Times New Roman" panose="02020603050405020304" pitchFamily="18" charset="0"/>
               </a:rPr>
-              <a:t>union(workers, students).</a:t>
+              <a:t>(students).</a:t>
             </a:r>
             <a:r>
               <a:rPr lang="en-US" sz="2000" dirty="0" err="1">
@@ -9510,7 +9523,7 @@
         <p:spPr>
           <a:xfrm>
             <a:off x="914400" y="2939143"/>
-            <a:ext cx="6109365" cy="406650"/>
+            <a:ext cx="5968301" cy="406650"/>
           </a:xfrm>
           <a:prstGeom prst="rect">
             <a:avLst/>
@@ -9541,6 +9554,19 @@
               </a:tabLst>
             </a:pPr>
             <a:r>
+              <a:rPr lang="en-US" sz="2000" dirty="0" err="1">
+                <a:solidFill>
+                  <a:schemeClr val="bg2">
+                    <a:lumMod val="10000"/>
+                  </a:schemeClr>
+                </a:solidFill>
+                <a:latin typeface="Consolas" panose="020B0609020204030204" pitchFamily="49" charset="0"/>
+                <a:ea typeface="Calibri" panose="020F0502020204030204" pitchFamily="34" charset="0"/>
+                <a:cs typeface="Times New Roman" panose="02020603050405020304" pitchFamily="18" charset="0"/>
+              </a:rPr>
+              <a:t>workers.intersection</a:t>
+            </a:r>
+            <a:r>
               <a:rPr lang="en-US" sz="2000" dirty="0">
                 <a:solidFill>
                   <a:schemeClr val="bg2">
@@ -9551,7 +9577,7 @@
                 <a:ea typeface="Calibri" panose="020F0502020204030204" pitchFamily="34" charset="0"/>
                 <a:cs typeface="Times New Roman" panose="02020603050405020304" pitchFamily="18" charset="0"/>
               </a:rPr>
-              <a:t>intersection(workers, students).</a:t>
+              <a:t>(students).</a:t>
             </a:r>
             <a:r>
               <a:rPr lang="en-US" sz="2000" dirty="0" err="1">
@@ -10399,7 +10425,7 @@
         <p:spPr>
           <a:xfrm>
             <a:off x="914400" y="2939143"/>
-            <a:ext cx="5686172" cy="406650"/>
+            <a:ext cx="5545108" cy="406650"/>
           </a:xfrm>
           <a:prstGeom prst="rect">
             <a:avLst/>
@@ -10430,6 +10456,19 @@
               </a:tabLst>
             </a:pPr>
             <a:r>
+              <a:rPr lang="en-US" sz="2000" dirty="0" err="1">
+                <a:solidFill>
+                  <a:schemeClr val="bg2">
+                    <a:lumMod val="10000"/>
+                  </a:schemeClr>
+                </a:solidFill>
+                <a:latin typeface="Consolas" panose="020B0609020204030204" pitchFamily="49" charset="0"/>
+                <a:ea typeface="Calibri" panose="020F0502020204030204" pitchFamily="34" charset="0"/>
+                <a:cs typeface="Times New Roman" panose="02020603050405020304" pitchFamily="18" charset="0"/>
+              </a:rPr>
+              <a:t>family.difference</a:t>
+            </a:r>
+            <a:r>
               <a:rPr lang="en-US" sz="2000" dirty="0">
                 <a:solidFill>
                   <a:schemeClr val="bg2">
@@ -10440,7 +10479,7 @@
                 <a:ea typeface="Calibri" panose="020F0502020204030204" pitchFamily="34" charset="0"/>
                 <a:cs typeface="Times New Roman" panose="02020603050405020304" pitchFamily="18" charset="0"/>
               </a:rPr>
-              <a:t>difference(family, students).</a:t>
+              <a:t>(students).</a:t>
             </a:r>
             <a:r>
               <a:rPr lang="en-US" sz="2000" dirty="0" err="1">
@@ -11319,6 +11358,19 @@
               </a:tabLst>
             </a:pPr>
             <a:r>
+              <a:rPr lang="en-US" sz="2000" dirty="0" err="1">
+                <a:solidFill>
+                  <a:schemeClr val="bg2">
+                    <a:lumMod val="10000"/>
+                  </a:schemeClr>
+                </a:solidFill>
+                <a:latin typeface="Consolas" panose="020B0609020204030204" pitchFamily="49" charset="0"/>
+                <a:ea typeface="Calibri" panose="020F0502020204030204" pitchFamily="34" charset="0"/>
+                <a:cs typeface="Times New Roman" panose="02020603050405020304" pitchFamily="18" charset="0"/>
+              </a:rPr>
+              <a:t>workers.intersection</a:t>
+            </a:r>
+            <a:r>
               <a:rPr lang="en-US" sz="2000" dirty="0">
                 <a:solidFill>
                   <a:schemeClr val="bg2">
@@ -11329,7 +11381,7 @@
                 <a:ea typeface="Calibri" panose="020F0502020204030204" pitchFamily="34" charset="0"/>
                 <a:cs typeface="Times New Roman" panose="02020603050405020304" pitchFamily="18" charset="0"/>
               </a:rPr>
-              <a:t>difference(intersection(works, family), students).</a:t>
+              <a:t>(family).difference(students).</a:t>
             </a:r>
             <a:r>
               <a:rPr lang="en-US" sz="2000" dirty="0" err="1">
@@ -11378,6 +11430,19 @@
               </a:tabLst>
             </a:pPr>
             <a:r>
+              <a:rPr lang="en-US" sz="2000" dirty="0" err="1">
+                <a:solidFill>
+                  <a:schemeClr val="bg2">
+                    <a:lumMod val="10000"/>
+                  </a:schemeClr>
+                </a:solidFill>
+                <a:latin typeface="Consolas" panose="020B0609020204030204" pitchFamily="49" charset="0"/>
+                <a:ea typeface="Calibri" panose="020F0502020204030204" pitchFamily="34" charset="0"/>
+                <a:cs typeface="Times New Roman" panose="02020603050405020304" pitchFamily="18" charset="0"/>
+              </a:rPr>
+              <a:t>workers.difference</a:t>
+            </a:r>
+            <a:r>
               <a:rPr lang="en-US" sz="2000" dirty="0">
                 <a:solidFill>
                   <a:schemeClr val="bg2">
@@ -11388,7 +11453,7 @@
                 <a:ea typeface="Calibri" panose="020F0502020204030204" pitchFamily="34" charset="0"/>
                 <a:cs typeface="Times New Roman" panose="02020603050405020304" pitchFamily="18" charset="0"/>
               </a:rPr>
-              <a:t>intersection(difference(works, students), family).</a:t>
+              <a:t>(students).intersection(family).</a:t>
             </a:r>
             <a:r>
               <a:rPr lang="en-US" sz="2000" dirty="0" err="1">
@@ -12230,21 +12295,6 @@
 </file>
 
 <file path=customXml/item1.xml><?xml version="1.0" encoding="utf-8"?>
-<p:properties xmlns:p="http://schemas.microsoft.com/office/2006/metadata/properties" xmlns:xsi="http://www.w3.org/2001/XMLSchema-instance" xmlns:pc="http://schemas.microsoft.com/office/infopath/2007/PartnerControls">
-  <documentManagement/>
-</p:properties>
-</file>
-
-<file path=customXml/item2.xml><?xml version="1.0" encoding="utf-8"?>
-<?mso-contentType ?>
-<FormTemplates xmlns="http://schemas.microsoft.com/sharepoint/v3/contenttype/forms">
-  <Display>DocumentLibraryForm</Display>
-  <Edit>DocumentLibraryForm</Edit>
-  <New>DocumentLibraryForm</New>
-</FormTemplates>
-</file>
-
-<file path=customXml/item3.xml><?xml version="1.0" encoding="utf-8"?>
 <ct:contentTypeSchema xmlns:ct="http://schemas.microsoft.com/office/2006/metadata/contentType" xmlns:ma="http://schemas.microsoft.com/office/2006/metadata/properties/metaAttributes" ct:_="" ma:_="" ma:contentTypeName="Document" ma:contentTypeID="0x01010083F0F5F090D6FE4C9D66FF879A7CC7B3" ma:contentTypeVersion="9" ma:contentTypeDescription="Create a new document." ma:contentTypeScope="" ma:versionID="606f2283565418712a5a3267706a5f5d">
   <xsd:schema xmlns:xsd="http://www.w3.org/2001/XMLSchema" xmlns:xs="http://www.w3.org/2001/XMLSchema" xmlns:p="http://schemas.microsoft.com/office/2006/metadata/properties" xmlns:ns2="58c44ba5-51a4-40bc-b9f0-9fe2032e2130" targetNamespace="http://schemas.microsoft.com/office/2006/metadata/properties" ma:root="true" ma:fieldsID="0d021ce73d87f7988edb471f4256858c" ns2:_="">
     <xsd:import namespace="58c44ba5-51a4-40bc-b9f0-9fe2032e2130"/>
@@ -12422,31 +12472,22 @@
 </ct:contentTypeSchema>
 </file>
 
-<file path=customXml/itemProps1.xml><?xml version="1.0" encoding="utf-8"?>
-<ds:datastoreItem xmlns:ds="http://schemas.openxmlformats.org/officeDocument/2006/customXml" ds:itemID="{E36B5C00-A49D-4F91-89B2-E9D01A16B433}">
-  <ds:schemaRefs>
-    <ds:schemaRef ds:uri="http://purl.org/dc/dcmitype/"/>
-    <ds:schemaRef ds:uri="http://schemas.microsoft.com/office/2006/documentManagement/types"/>
-    <ds:schemaRef ds:uri="http://purl.org/dc/elements/1.1/"/>
-    <ds:schemaRef ds:uri="http://purl.org/dc/terms/"/>
-    <ds:schemaRef ds:uri="http://schemas.openxmlformats.org/package/2006/metadata/core-properties"/>
-    <ds:schemaRef ds:uri="http://schemas.microsoft.com/office/infopath/2007/PartnerControls"/>
-    <ds:schemaRef ds:uri="http://www.w3.org/XML/1998/namespace"/>
-    <ds:schemaRef ds:uri="58c44ba5-51a4-40bc-b9f0-9fe2032e2130"/>
-    <ds:schemaRef ds:uri="http://schemas.microsoft.com/office/2006/metadata/properties"/>
-  </ds:schemaRefs>
-</ds:datastoreItem>
+<file path=customXml/item2.xml><?xml version="1.0" encoding="utf-8"?>
+<?mso-contentType ?>
+<FormTemplates xmlns="http://schemas.microsoft.com/sharepoint/v3/contenttype/forms">
+  <Display>DocumentLibraryForm</Display>
+  <Edit>DocumentLibraryForm</Edit>
+  <New>DocumentLibraryForm</New>
+</FormTemplates>
 </file>
 
-<file path=customXml/itemProps2.xml><?xml version="1.0" encoding="utf-8"?>
-<ds:datastoreItem xmlns:ds="http://schemas.openxmlformats.org/officeDocument/2006/customXml" ds:itemID="{923228D6-D594-4907-8908-B39BE33AC58C}">
-  <ds:schemaRefs>
-    <ds:schemaRef ds:uri="http://schemas.microsoft.com/sharepoint/v3/contenttype/forms"/>
-  </ds:schemaRefs>
-</ds:datastoreItem>
+<file path=customXml/item3.xml><?xml version="1.0" encoding="utf-8"?>
+<p:properties xmlns:p="http://schemas.microsoft.com/office/2006/metadata/properties" xmlns:xsi="http://www.w3.org/2001/XMLSchema-instance" xmlns:pc="http://schemas.microsoft.com/office/infopath/2007/PartnerControls">
+  <documentManagement/>
+</p:properties>
 </file>
 
-<file path=customXml/itemProps3.xml><?xml version="1.0" encoding="utf-8"?>
+<file path=customXml/itemProps1.xml><?xml version="1.0" encoding="utf-8"?>
 <ds:datastoreItem xmlns:ds="http://schemas.openxmlformats.org/officeDocument/2006/customXml" ds:itemID="{348D2F62-F6F5-4583-B474-10D48BE0C7F7}">
   <ds:schemaRefs>
     <ds:schemaRef ds:uri="http://schemas.microsoft.com/office/2006/metadata/contentType"/>
@@ -12462,4 +12503,28 @@
     <ds:schemaRef ds:uri="http://schemas.microsoft.com/internal/obd"/>
   </ds:schemaRefs>
 </ds:datastoreItem>
+</file>
+
+<file path=customXml/itemProps2.xml><?xml version="1.0" encoding="utf-8"?>
+<ds:datastoreItem xmlns:ds="http://schemas.openxmlformats.org/officeDocument/2006/customXml" ds:itemID="{923228D6-D594-4907-8908-B39BE33AC58C}">
+  <ds:schemaRefs>
+    <ds:schemaRef ds:uri="http://schemas.microsoft.com/sharepoint/v3/contenttype/forms"/>
+  </ds:schemaRefs>
+</ds:datastoreItem>
+</file>
+
+<file path=customXml/itemProps3.xml><?xml version="1.0" encoding="utf-8"?>
+<ds:datastoreItem xmlns:ds="http://schemas.openxmlformats.org/officeDocument/2006/customXml" ds:itemID="{E36B5C00-A49D-4F91-89B2-E9D01A16B433}">
+  <ds:schemaRefs>
+    <ds:schemaRef ds:uri="http://purl.org/dc/dcmitype/"/>
+    <ds:schemaRef ds:uri="http://schemas.microsoft.com/office/2006/documentManagement/types"/>
+    <ds:schemaRef ds:uri="http://purl.org/dc/elements/1.1/"/>
+    <ds:schemaRef ds:uri="http://purl.org/dc/terms/"/>
+    <ds:schemaRef ds:uri="http://schemas.openxmlformats.org/package/2006/metadata/core-properties"/>
+    <ds:schemaRef ds:uri="http://schemas.microsoft.com/office/infopath/2007/PartnerControls"/>
+    <ds:schemaRef ds:uri="http://www.w3.org/XML/1998/namespace"/>
+    <ds:schemaRef ds:uri="58c44ba5-51a4-40bc-b9f0-9fe2032e2130"/>
+    <ds:schemaRef ds:uri="http://schemas.microsoft.com/office/2006/metadata/properties"/>
+  </ds:schemaRefs>
+</ds:datastoreItem>
 </file>